--- a/6_enums_and_annotations/EffectiveJava3rd_Chapter6.pptx
+++ b/6_enums_and_annotations/EffectiveJava3rd_Chapter6.pptx
@@ -38672,7 +38672,35 @@
                 <a:ea typeface="Helvetica Neue" panose="020B0502040204020203" pitchFamily="34" charset="0"/>
                 <a:cs typeface="Helvetica Neue Light" panose="020B0402040204020203" pitchFamily="34" charset="0"/>
               </a:rPr>
-              <a:t>Annotations don’t change the semantics of the annotated code but enable it for special treatment by tools.</a:t>
+              <a:t>Annotations don’t change the semantics of the annotated code but enable it for special treatment by </a:t>
+            </a:r>
+            <a:r>
+              <a:rPr lang="en-US" altLang="zh-CN" sz="1600" b="1" dirty="0">
+                <a:solidFill>
+                  <a:schemeClr val="tx1">
+                    <a:lumMod val="65000"/>
+                    <a:lumOff val="35000"/>
+                  </a:schemeClr>
+                </a:solidFill>
+                <a:latin typeface="Helvetica Neue Light" panose="020B0402040204020203" pitchFamily="34" charset="0"/>
+                <a:ea typeface="Helvetica Neue" panose="020B0502040204020203" pitchFamily="34" charset="0"/>
+                <a:cs typeface="Helvetica Neue Light" panose="020B0402040204020203" pitchFamily="34" charset="0"/>
+              </a:rPr>
+              <a:t>tools</a:t>
+            </a:r>
+            <a:r>
+              <a:rPr lang="en-US" altLang="zh-CN" sz="1600" dirty="0">
+                <a:solidFill>
+                  <a:schemeClr val="tx1">
+                    <a:lumMod val="65000"/>
+                    <a:lumOff val="35000"/>
+                  </a:schemeClr>
+                </a:solidFill>
+                <a:latin typeface="Helvetica Neue Light" panose="020B0402040204020203" pitchFamily="34" charset="0"/>
+                <a:ea typeface="Helvetica Neue" panose="020B0502040204020203" pitchFamily="34" charset="0"/>
+                <a:cs typeface="Helvetica Neue Light" panose="020B0402040204020203" pitchFamily="34" charset="0"/>
+              </a:rPr>
+              <a:t>.</a:t>
             </a:r>
           </a:p>
         </p:txBody>
@@ -46065,7 +46093,7 @@
               <a:t> </a:t>
             </a:r>
             <a:r>
-              <a:rPr lang="en-US" sz="1600" dirty="0">
+              <a:rPr lang="en-US" sz="1600" dirty="0" smtClean="0">
                 <a:solidFill>
                   <a:srgbClr val="C5C8C6"/>
                 </a:solidFill>
@@ -46076,18 +46104,73 @@
               <a:t>DECTET</a:t>
             </a:r>
             <a:r>
-              <a:rPr lang="en-US" sz="1600" dirty="0">
-                <a:solidFill>
-                  <a:srgbClr val="8ABEB7"/>
+              <a:rPr lang="en-US" altLang="zh-CN" sz="1600" dirty="0" smtClean="0">
+                <a:solidFill>
+                  <a:srgbClr val="C5C8C6"/>
                 </a:solidFill>
                 <a:latin typeface="Menlo" charset="0"/>
                 <a:ea typeface="Menlo" charset="0"/>
                 <a:cs typeface="Menlo" charset="0"/>
               </a:rPr>
+              <a:t>,</a:t>
+            </a:r>
+            <a:r>
+              <a:rPr lang="zh-CN" altLang="en-US" sz="1600" dirty="0" smtClean="0">
+                <a:solidFill>
+                  <a:srgbClr val="C5C8C6"/>
+                </a:solidFill>
+                <a:latin typeface="Menlo" charset="0"/>
+                <a:ea typeface="Menlo" charset="0"/>
+                <a:cs typeface="Menlo" charset="0"/>
+              </a:rPr>
+              <a:t> </a:t>
+            </a:r>
+            <a:r>
+              <a:rPr lang="en-US" altLang="zh-CN" sz="1600" dirty="0" smtClean="0">
+                <a:solidFill>
+                  <a:srgbClr val="C5C8C6"/>
+                </a:solidFill>
+                <a:latin typeface="Menlo" charset="0"/>
+                <a:ea typeface="Menlo" charset="0"/>
+                <a:cs typeface="Menlo" charset="0"/>
+              </a:rPr>
+              <a:t>ELEVEN,</a:t>
+            </a:r>
+            <a:r>
+              <a:rPr lang="zh-CN" altLang="en-US" sz="1600" dirty="0" smtClean="0">
+                <a:solidFill>
+                  <a:srgbClr val="C5C8C6"/>
+                </a:solidFill>
+                <a:latin typeface="Menlo" charset="0"/>
+                <a:ea typeface="Menlo" charset="0"/>
+                <a:cs typeface="Menlo" charset="0"/>
+              </a:rPr>
+              <a:t> </a:t>
+            </a:r>
+            <a:r>
+              <a:rPr lang="en-US" altLang="zh-CN" sz="1600" dirty="0" smtClean="0">
+                <a:solidFill>
+                  <a:srgbClr val="C5C8C6"/>
+                </a:solidFill>
+                <a:latin typeface="Menlo" charset="0"/>
+                <a:ea typeface="Menlo" charset="0"/>
+                <a:cs typeface="Menlo" charset="0"/>
+              </a:rPr>
+              <a:t>TEW</a:t>
+            </a:r>
+            <a:r>
+              <a:rPr lang="en-US" sz="1600" dirty="0" smtClean="0">
+                <a:solidFill>
+                  <a:srgbClr val="8ABEB7"/>
+                </a:solidFill>
+                <a:latin typeface="Menlo" charset="0"/>
+                <a:ea typeface="Menlo" charset="0"/>
+                <a:cs typeface="Menlo" charset="0"/>
+              </a:rPr>
               <a:t>;</a:t>
             </a:r>
             <a:r>
-              <a:rPr lang="en-US" sz="1600" dirty="0">
+              <a:rPr lang="en-US" sz="1600" dirty="0" smtClean="0">
                 <a:latin typeface="Menlo" charset="0"/>
                 <a:ea typeface="Menlo" charset="0"/>
                 <a:cs typeface="Menlo" charset="0"/>
@@ -50333,7 +50416,7 @@
               <a:t> to combine several constants into a set, known as a bit field:  </a:t>
             </a:r>
             <a:r>
-              <a:rPr lang="en-US" sz="1200" dirty="0" err="1">
+              <a:rPr lang="en-US" sz="1200" b="1" dirty="0" err="1">
                 <a:solidFill>
                   <a:schemeClr val="tx1">
                     <a:lumMod val="65000"/>
@@ -50347,7 +50430,7 @@
               <a:t>text.applyStyles</a:t>
             </a:r>
             <a:r>
-              <a:rPr lang="en-US" sz="1200" dirty="0">
+              <a:rPr lang="en-US" sz="1200" b="1" dirty="0">
                 <a:solidFill>
                   <a:schemeClr val="tx1">
                     <a:lumMod val="65000"/>
